--- a/문서자료/발표자료.pptx
+++ b/문서자료/발표자료.pptx
@@ -4774,7 +4774,7 @@
         </p:nvSpPr>
         <p:spPr>
           <a:xfrm>
-            <a:off x="0" y="6299200"/>
+            <a:off x="36003" y="6335466"/>
             <a:ext cx="12192000" cy="558800"/>
           </a:xfrm>
           <a:prstGeom prst="rect">
@@ -4922,8 +4922,8 @@
         </p:nvSpPr>
         <p:spPr>
           <a:xfrm>
-            <a:off x="5667457" y="6299200"/>
-            <a:ext cx="904415" cy="584775"/>
+            <a:off x="0" y="6359430"/>
+            <a:ext cx="12192000" cy="461665"/>
           </a:xfrm>
           <a:prstGeom prst="rect">
             <a:avLst/>
@@ -4931,13 +4931,14 @@
           <a:noFill/>
         </p:spPr>
         <p:txBody>
-          <a:bodyPr wrap="none" rtlCol="0">
+          <a:bodyPr wrap="square" rtlCol="0">
             <a:spAutoFit/>
           </a:bodyPr>
           <a:lstStyle/>
           <a:p>
+            <a:pPr algn="ctr"/>
             <a:r>
-              <a:rPr lang="en-US" altLang="ko-KR" sz="3200" spc="600" dirty="0" smtClean="0">
+              <a:rPr lang="en-US" altLang="ko-KR" sz="2400" spc="600" dirty="0" smtClean="0">
                 <a:solidFill>
                   <a:schemeClr val="bg1"/>
                 </a:solidFill>
@@ -4947,16 +4948,156 @@
               <a:t>1</a:t>
             </a:r>
             <a:r>
-              <a:rPr lang="ko-KR" altLang="en-US" sz="3200" spc="600" dirty="0" smtClean="0">
+              <a:rPr lang="ko-KR" altLang="en-US" sz="2400" spc="600" dirty="0" smtClean="0">
                 <a:solidFill>
                   <a:schemeClr val="bg1"/>
                 </a:solidFill>
                 <a:latin typeface="한컴 윤고딕 240" pitchFamily="18" charset="-127"/>
                 <a:ea typeface="한컴 윤고딕 240" pitchFamily="18" charset="-127"/>
               </a:rPr>
-              <a:t>조</a:t>
+              <a:t>조 </a:t>
             </a:r>
-            <a:endParaRPr lang="en-US" altLang="ko-KR" sz="3200" spc="600" dirty="0" smtClean="0">
+            <a:r>
+              <a:rPr lang="en-US" altLang="ko-KR" sz="2400" spc="600" dirty="0" smtClean="0">
+                <a:solidFill>
+                  <a:schemeClr val="bg1"/>
+                </a:solidFill>
+                <a:latin typeface="한컴 윤고딕 240" pitchFamily="18" charset="-127"/>
+                <a:ea typeface="한컴 윤고딕 240" pitchFamily="18" charset="-127"/>
+              </a:rPr>
+              <a:t>: </a:t>
+            </a:r>
+            <a:r>
+              <a:rPr lang="ko-KR" altLang="en-US" sz="2400" spc="600" dirty="0" smtClean="0">
+                <a:solidFill>
+                  <a:schemeClr val="bg1"/>
+                </a:solidFill>
+                <a:latin typeface="한컴 윤고딕 240" pitchFamily="18" charset="-127"/>
+                <a:ea typeface="한컴 윤고딕 240" pitchFamily="18" charset="-127"/>
+              </a:rPr>
+              <a:t>송진영</a:t>
+            </a:r>
+            <a:r>
+              <a:rPr lang="en-US" altLang="ko-KR" sz="2400" spc="600" dirty="0" smtClean="0">
+                <a:solidFill>
+                  <a:schemeClr val="bg1"/>
+                </a:solidFill>
+                <a:latin typeface="한컴 윤고딕 240" pitchFamily="18" charset="-127"/>
+                <a:ea typeface="한컴 윤고딕 240" pitchFamily="18" charset="-127"/>
+              </a:rPr>
+              <a:t>, </a:t>
+            </a:r>
+            <a:r>
+              <a:rPr lang="ko-KR" altLang="en-US" sz="2400" spc="600" dirty="0" err="1" smtClean="0">
+                <a:solidFill>
+                  <a:schemeClr val="bg1"/>
+                </a:solidFill>
+                <a:latin typeface="한컴 윤고딕 240" pitchFamily="18" charset="-127"/>
+                <a:ea typeface="한컴 윤고딕 240" pitchFamily="18" charset="-127"/>
+              </a:rPr>
+              <a:t>강예영</a:t>
+            </a:r>
+            <a:r>
+              <a:rPr lang="en-US" altLang="ko-KR" sz="2400" spc="600" dirty="0" smtClean="0">
+                <a:solidFill>
+                  <a:schemeClr val="bg1"/>
+                </a:solidFill>
+                <a:latin typeface="한컴 윤고딕 240" pitchFamily="18" charset="-127"/>
+                <a:ea typeface="한컴 윤고딕 240" pitchFamily="18" charset="-127"/>
+              </a:rPr>
+              <a:t>, </a:t>
+            </a:r>
+            <a:r>
+              <a:rPr lang="ko-KR" altLang="en-US" sz="2400" spc="600" dirty="0" smtClean="0">
+                <a:solidFill>
+                  <a:schemeClr val="bg1"/>
+                </a:solidFill>
+                <a:latin typeface="한컴 윤고딕 240" pitchFamily="18" charset="-127"/>
+                <a:ea typeface="한컴 윤고딕 240" pitchFamily="18" charset="-127"/>
+              </a:rPr>
+              <a:t>김완수</a:t>
+            </a:r>
+            <a:r>
+              <a:rPr lang="en-US" altLang="ko-KR" sz="2400" spc="600" dirty="0" smtClean="0">
+                <a:solidFill>
+                  <a:schemeClr val="bg1"/>
+                </a:solidFill>
+                <a:latin typeface="한컴 윤고딕 240" pitchFamily="18" charset="-127"/>
+                <a:ea typeface="한컴 윤고딕 240" pitchFamily="18" charset="-127"/>
+              </a:rPr>
+              <a:t>, </a:t>
+            </a:r>
+            <a:r>
+              <a:rPr lang="ko-KR" altLang="en-US" sz="2400" spc="600" dirty="0" smtClean="0">
+                <a:solidFill>
+                  <a:schemeClr val="bg1"/>
+                </a:solidFill>
+                <a:latin typeface="한컴 윤고딕 240" pitchFamily="18" charset="-127"/>
+                <a:ea typeface="한컴 윤고딕 240" pitchFamily="18" charset="-127"/>
+              </a:rPr>
+              <a:t>서주형</a:t>
+            </a:r>
+            <a:r>
+              <a:rPr lang="en-US" altLang="ko-KR" sz="2400" spc="600" dirty="0" smtClean="0">
+                <a:solidFill>
+                  <a:schemeClr val="bg1"/>
+                </a:solidFill>
+                <a:latin typeface="한컴 윤고딕 240" pitchFamily="18" charset="-127"/>
+                <a:ea typeface="한컴 윤고딕 240" pitchFamily="18" charset="-127"/>
+              </a:rPr>
+              <a:t>, </a:t>
+            </a:r>
+            <a:r>
+              <a:rPr lang="ko-KR" altLang="en-US" sz="2400" spc="600" dirty="0" smtClean="0">
+                <a:solidFill>
+                  <a:schemeClr val="bg1"/>
+                </a:solidFill>
+                <a:latin typeface="한컴 윤고딕 240" pitchFamily="18" charset="-127"/>
+                <a:ea typeface="한컴 윤고딕 240" pitchFamily="18" charset="-127"/>
+              </a:rPr>
+              <a:t>이상헌</a:t>
+            </a:r>
+            <a:r>
+              <a:rPr lang="en-US" altLang="ko-KR" sz="2400" spc="600" dirty="0" smtClean="0">
+                <a:solidFill>
+                  <a:schemeClr val="bg1"/>
+                </a:solidFill>
+                <a:latin typeface="한컴 윤고딕 240" pitchFamily="18" charset="-127"/>
+                <a:ea typeface="한컴 윤고딕 240" pitchFamily="18" charset="-127"/>
+              </a:rPr>
+              <a:t>, </a:t>
+            </a:r>
+            <a:r>
+              <a:rPr lang="ko-KR" altLang="en-US" sz="2400" spc="600" dirty="0" smtClean="0">
+                <a:solidFill>
+                  <a:schemeClr val="bg1"/>
+                </a:solidFill>
+                <a:latin typeface="한컴 윤고딕 240" pitchFamily="18" charset="-127"/>
+                <a:ea typeface="한컴 윤고딕 240" pitchFamily="18" charset="-127"/>
+              </a:rPr>
+              <a:t>이은수</a:t>
+            </a:r>
+            <a:r>
+              <a:rPr lang="en-US" altLang="ko-KR" sz="2400" spc="600" dirty="0" smtClean="0">
+                <a:solidFill>
+                  <a:schemeClr val="bg1"/>
+                </a:solidFill>
+                <a:latin typeface="한컴 윤고딕 240" pitchFamily="18" charset="-127"/>
+                <a:ea typeface="한컴 윤고딕 240" pitchFamily="18" charset="-127"/>
+              </a:rPr>
+              <a:t>, </a:t>
+            </a:r>
+            <a:r>
+              <a:rPr lang="ko-KR" altLang="en-US" sz="2400" spc="600" dirty="0" smtClean="0">
+                <a:solidFill>
+                  <a:schemeClr val="bg1"/>
+                </a:solidFill>
+                <a:latin typeface="한컴 윤고딕 240" pitchFamily="18" charset="-127"/>
+                <a:ea typeface="한컴 윤고딕 240" pitchFamily="18" charset="-127"/>
+              </a:rPr>
+              <a:t>최재혁</a:t>
+            </a:r>
+            <a:endParaRPr lang="en-US" altLang="ko-KR" sz="2400" spc="600" dirty="0" smtClean="0">
               <a:solidFill>
                 <a:schemeClr val="bg1"/>
               </a:solidFill>
@@ -9505,7 +9646,7 @@
                 <a:latin typeface="한컴 윤고딕 240" pitchFamily="18" charset="-127"/>
                 <a:ea typeface="한컴 윤고딕 240" pitchFamily="18" charset="-127"/>
               </a:rPr>
-              <a:t>구현</a:t>
+              <a:t>구조</a:t>
             </a:r>
             <a:endParaRPr lang="en-US" altLang="ko-KR" sz="2400" dirty="0" smtClean="0">
               <a:solidFill>
@@ -9651,8 +9792,8 @@
         </p:nvSpPr>
         <p:spPr>
           <a:xfrm>
-            <a:off x="6081274" y="2565579"/>
-            <a:ext cx="1659430" cy="584775"/>
+            <a:off x="6078068" y="2565579"/>
+            <a:ext cx="1665841" cy="584775"/>
           </a:xfrm>
           <a:prstGeom prst="rect">
             <a:avLst/>
@@ -9674,7 +9815,7 @@
                 <a:latin typeface="한컴 윤고딕 240" pitchFamily="18" charset="-127"/>
                 <a:ea typeface="한컴 윤고딕 240" pitchFamily="18" charset="-127"/>
               </a:rPr>
-              <a:t>화면구현</a:t>
+              <a:t>화면구조</a:t>
             </a:r>
             <a:endParaRPr lang="en-US" altLang="ko-KR" sz="3200" b="1" dirty="0" smtClean="0">
               <a:solidFill>
